--- a/Relax, it's SPA time.pptx
+++ b/Relax, it's SPA time.pptx
@@ -257,7 +257,7 @@
           <a:p>
             <a:fld id="{ADFD96CD-F9A7-4B23-9F0C-9C94434A7F7D}" type="datetimeFigureOut">
               <a:rPr lang="pt-PT" smtClean="0"/>
-              <a:t>17/03/2016</a:t>
+              <a:t>18/03/2016</a:t>
             </a:fld>
             <a:endParaRPr lang="pt-PT"/>
           </a:p>
@@ -422,7 +422,7 @@
           <a:p>
             <a:fld id="{F1680C6F-1AC0-45E8-AE4C-9DD1ADA0D880}" type="datetimeFigureOut">
               <a:rPr lang="pt-PT" smtClean="0"/>
-              <a:t>17/03/2016</a:t>
+              <a:t>18/03/2016</a:t>
             </a:fld>
             <a:endParaRPr lang="pt-PT"/>
           </a:p>
@@ -782,7 +782,7 @@
             <a:fld id="{81331B57-0BE5-4F82-AA58-76F53EFF3ADA}" type="datetime8">
               <a:rPr lang="en-US" smtClean="0"/>
               <a:pPr/>
-              <a:t>3/17/2016 11:28 PM</a:t>
+              <a:t>3/18/2016 8:55 PM</a:t>
             </a:fld>
             <a:endParaRPr lang="en-US"/>
           </a:p>
@@ -1452,14 +1452,14 @@
           </a:prstGeom>
           <a:extLst>
             <a:ext uri="{909E8E84-426E-40dd-AFC4-6F175D3DCCD1}">
-              <a14:hiddenFill xmlns="" xmlns:a14="http://schemas.microsoft.com/office/drawing/2007/7/7/main">
+              <a14:hiddenFill xmlns:a14="http://schemas.microsoft.com/office/drawing/2007/7/7/main" xmlns="">
                 <a:solidFill>
                   <a:schemeClr val="accent1"/>
                 </a:solidFill>
               </a14:hiddenFill>
             </a:ext>
             <a:ext uri="{91240B29-F687-4f45-9708-019B960494DF}">
-              <a14:hiddenLine xmlns="" xmlns:a14="http://schemas.microsoft.com/office/drawing/2007/7/7/main" w="9525">
+              <a14:hiddenLine xmlns:a14="http://schemas.microsoft.com/office/drawing/2007/7/7/main" xmlns="" w="9525">
                 <a:solidFill>
                   <a:schemeClr val="tx1"/>
                 </a:solidFill>
@@ -1469,7 +1469,7 @@
               </a14:hiddenLine>
             </a:ext>
             <a:ext uri="{AF507438-7753-43e0-B8FC-AC1667EBCBE1}">
-              <a14:hiddenEffects xmlns="" xmlns:a14="http://schemas.microsoft.com/office/drawing/2007/7/7/main">
+              <a14:hiddenEffects xmlns:a14="http://schemas.microsoft.com/office/drawing/2007/7/7/main" xmlns="">
                 <a:effectLst>
                   <a:outerShdw blurRad="63500" dist="35921" dir="2700000" algn="ctr" rotWithShape="0">
                     <a:schemeClr val="bg2"/>
@@ -3373,7 +3373,7 @@
           <a:p>
             <a:fld id="{CF5BEEB0-7B98-42C2-9422-F0A1629F08D3}" type="datetimeFigureOut">
               <a:rPr lang="pt-PT" smtClean="0"/>
-              <a:t>17/03/2016</a:t>
+              <a:t>18/03/2016</a:t>
             </a:fld>
             <a:endParaRPr lang="pt-PT"/>
           </a:p>
@@ -3541,14 +3541,14 @@
           </a:prstGeom>
           <a:extLst>
             <a:ext uri="{909E8E84-426E-40dd-AFC4-6F175D3DCCD1}">
-              <a14:hiddenFill xmlns="" xmlns:a14="http://schemas.microsoft.com/office/drawing/2007/7/7/main">
+              <a14:hiddenFill xmlns:a14="http://schemas.microsoft.com/office/drawing/2007/7/7/main" xmlns="">
                 <a:solidFill>
                   <a:schemeClr val="accent1"/>
                 </a:solidFill>
               </a14:hiddenFill>
             </a:ext>
             <a:ext uri="{91240B29-F687-4f45-9708-019B960494DF}">
-              <a14:hiddenLine xmlns="" xmlns:a14="http://schemas.microsoft.com/office/drawing/2007/7/7/main" w="9525">
+              <a14:hiddenLine xmlns:a14="http://schemas.microsoft.com/office/drawing/2007/7/7/main" xmlns="" w="9525">
                 <a:solidFill>
                   <a:schemeClr val="tx1"/>
                 </a:solidFill>
@@ -3558,7 +3558,7 @@
               </a14:hiddenLine>
             </a:ext>
             <a:ext uri="{AF507438-7753-43e0-B8FC-AC1667EBCBE1}">
-              <a14:hiddenEffects xmlns="" xmlns:a14="http://schemas.microsoft.com/office/drawing/2007/7/7/main">
+              <a14:hiddenEffects xmlns:a14="http://schemas.microsoft.com/office/drawing/2007/7/7/main" xmlns="">
                 <a:effectLst>
                   <a:outerShdw blurRad="63500" dist="35921" dir="2700000" algn="ctr" rotWithShape="0">
                     <a:schemeClr val="bg2"/>
@@ -3946,14 +3946,14 @@
           </a:prstGeom>
           <a:extLst>
             <a:ext uri="{909E8E84-426E-40dd-AFC4-6F175D3DCCD1}">
-              <a14:hiddenFill xmlns="" xmlns:a14="http://schemas.microsoft.com/office/drawing/2007/7/7/main">
+              <a14:hiddenFill xmlns:a14="http://schemas.microsoft.com/office/drawing/2007/7/7/main" xmlns="">
                 <a:solidFill>
                   <a:schemeClr val="accent1"/>
                 </a:solidFill>
               </a14:hiddenFill>
             </a:ext>
             <a:ext uri="{91240B29-F687-4f45-9708-019B960494DF}">
-              <a14:hiddenLine xmlns="" xmlns:a14="http://schemas.microsoft.com/office/drawing/2007/7/7/main" w="9525">
+              <a14:hiddenLine xmlns:a14="http://schemas.microsoft.com/office/drawing/2007/7/7/main" xmlns="" w="9525">
                 <a:solidFill>
                   <a:schemeClr val="tx1"/>
                 </a:solidFill>
@@ -3963,7 +3963,7 @@
               </a14:hiddenLine>
             </a:ext>
             <a:ext uri="{AF507438-7753-43e0-B8FC-AC1667EBCBE1}">
-              <a14:hiddenEffects xmlns="" xmlns:a14="http://schemas.microsoft.com/office/drawing/2007/7/7/main">
+              <a14:hiddenEffects xmlns:a14="http://schemas.microsoft.com/office/drawing/2007/7/7/main" xmlns="">
                 <a:effectLst>
                   <a:outerShdw blurRad="63500" dist="35921" dir="2700000" algn="ctr" rotWithShape="0">
                     <a:schemeClr val="bg2"/>
@@ -4102,14 +4102,14 @@
           <a:effectLst/>
           <a:extLst>
             <a:ext uri="{909E8E84-426E-40dd-AFC4-6F175D3DCCD1}">
-              <a14:hiddenFill xmlns="" xmlns:a14="http://schemas.microsoft.com/office/drawing/2010/main">
+              <a14:hiddenFill xmlns:a14="http://schemas.microsoft.com/office/drawing/2010/main" xmlns="">
                 <a:solidFill>
                   <a:srgbClr val="FFFFFF"/>
                 </a:solidFill>
               </a14:hiddenFill>
             </a:ext>
             <a:ext uri="{91240B29-F687-4f45-9708-019B960494DF}">
-              <a14:hiddenLine xmlns="" xmlns:a14="http://schemas.microsoft.com/office/drawing/2010/main" w="9525">
+              <a14:hiddenLine xmlns:a14="http://schemas.microsoft.com/office/drawing/2010/main" xmlns="" w="9525">
                 <a:solidFill>
                   <a:srgbClr val="000000"/>
                 </a:solidFill>
@@ -4119,7 +4119,7 @@
               </a14:hiddenLine>
             </a:ext>
             <a:ext uri="{53640926-AAD7-44d8-BBD7-CCE9431645EC}">
-              <a14:shadowObscured xmlns="" xmlns:a14="http://schemas.microsoft.com/office/drawing/2010/main" val="1"/>
+              <a14:shadowObscured xmlns:a14="http://schemas.microsoft.com/office/drawing/2010/main" xmlns="" val="1"/>
             </a:ext>
           </a:extLst>
         </p:spPr>
@@ -4946,14 +4946,14 @@
           </a:effectLst>
           <a:extLst>
             <a:ext uri="{909E8E84-426E-40dd-AFC4-6F175D3DCCD1}">
-              <a14:hiddenFill xmlns="" xmlns:a14="http://schemas.microsoft.com/office/drawing/2010/main">
+              <a14:hiddenFill xmlns:a14="http://schemas.microsoft.com/office/drawing/2010/main" xmlns="">
                 <a:solidFill>
                   <a:srgbClr val="FFFFFF"/>
                 </a:solidFill>
               </a14:hiddenFill>
             </a:ext>
             <a:ext uri="{91240B29-F687-4f45-9708-019B960494DF}">
-              <a14:hiddenLine xmlns="" xmlns:a14="http://schemas.microsoft.com/office/drawing/2010/main" w="9525">
+              <a14:hiddenLine xmlns:a14="http://schemas.microsoft.com/office/drawing/2010/main" xmlns="" w="9525">
                 <a:solidFill>
                   <a:srgbClr val="000000"/>
                 </a:solidFill>
@@ -4963,7 +4963,7 @@
               </a14:hiddenLine>
             </a:ext>
             <a:ext uri="{53640926-AAD7-44d8-BBD7-CCE9431645EC}">
-              <a14:shadowObscured xmlns="" xmlns:a14="http://schemas.microsoft.com/office/drawing/2010/main" val="1"/>
+              <a14:shadowObscured xmlns:a14="http://schemas.microsoft.com/office/drawing/2010/main" xmlns="" val="1"/>
             </a:ext>
           </a:extLst>
         </p:spPr>
@@ -5022,10 +5022,6 @@
             <a:r>
               <a:rPr lang="pt-PT" dirty="0" err="1" smtClean="0"/>
               <a:t>Motivations</a:t>
-            </a:r>
-            <a:r>
-              <a:rPr lang="pt-PT" dirty="0" smtClean="0"/>
-              <a:t> (Continue)</a:t>
             </a:r>
             <a:endParaRPr lang="pt-PT" dirty="0"/>
           </a:p>
@@ -5979,7 +5975,15 @@
             </a:pPr>
             <a:r>
               <a:rPr lang="en-GB" sz="3200" dirty="0"/>
-              <a:t>The first time that the applications loads is </a:t>
+              <a:t>The first time that the </a:t>
+            </a:r>
+            <a:r>
+              <a:rPr lang="en-GB" sz="3200" dirty="0" smtClean="0"/>
+              <a:t>application </a:t>
+            </a:r>
+            <a:r>
+              <a:rPr lang="en-GB" sz="3200" dirty="0"/>
+              <a:t>loads is </a:t>
             </a:r>
             <a:r>
               <a:rPr lang="en-GB" sz="3200" dirty="0" smtClean="0"/>
@@ -7958,15 +7962,7 @@
           <a:p>
             <a:r>
               <a:rPr lang="en-GB" dirty="0" smtClean="0"/>
-              <a:t>SPA </a:t>
-            </a:r>
-            <a:r>
-              <a:rPr lang="en-GB" dirty="0" smtClean="0"/>
-              <a:t>and Multiple Page </a:t>
-            </a:r>
-            <a:r>
-              <a:rPr lang="en-GB" dirty="0" smtClean="0"/>
-              <a:t>Application (Mix)</a:t>
+              <a:t>SPA and Multiple Page Application (Mix)</a:t>
             </a:r>
             <a:endParaRPr lang="en-GB" dirty="0"/>
           </a:p>
@@ -10250,7 +10246,7 @@
         </p:spPr>
         <p:txBody>
           <a:bodyPr vert="horz" lIns="91440" tIns="45720" rIns="91440" bIns="45720" rtlCol="0">
-            <a:normAutofit fontScale="85000" lnSpcReduction="20000"/>
+            <a:normAutofit fontScale="92500" lnSpcReduction="10000"/>
           </a:bodyPr>
           <a:lstStyle>
             <a:lvl1pPr marL="342900" indent="-342900" algn="l" defTabSz="914400" rtl="0" eaLnBrk="1" latinLnBrk="0" hangingPunct="1">
@@ -10405,8 +10401,13 @@
           <a:p>
             <a:r>
               <a:rPr lang="en-GB" dirty="0" smtClean="0"/>
-              <a:t>Choose a IDE and structure your folders directory</a:t>
-            </a:r>
+              <a:t>Choose a IDE and structure your </a:t>
+            </a:r>
+            <a:r>
+              <a:rPr lang="en-GB" dirty="0" smtClean="0"/>
+              <a:t>folders</a:t>
+            </a:r>
+            <a:endParaRPr lang="en-GB" dirty="0" smtClean="0"/>
           </a:p>
           <a:p>
             <a:r>
@@ -11258,7 +11259,15 @@
             </a:r>
             <a:r>
               <a:rPr lang="en-GB" dirty="0" smtClean="0"/>
-              <a:t>Use a task runner for help – Gulp</a:t>
+              <a:t>Use a task </a:t>
+            </a:r>
+            <a:r>
+              <a:rPr lang="en-GB" dirty="0" smtClean="0"/>
+              <a:t>runner </a:t>
+            </a:r>
+            <a:r>
+              <a:rPr lang="en-GB" dirty="0" smtClean="0"/>
+              <a:t>– Gulp</a:t>
             </a:r>
           </a:p>
           <a:p>
@@ -11274,11 +11283,7 @@
           <a:p>
             <a:r>
               <a:rPr lang="en-GB" dirty="0" smtClean="0"/>
-              <a:t>Learn </a:t>
-            </a:r>
-            <a:r>
-              <a:rPr lang="en-GB" dirty="0" smtClean="0"/>
-              <a:t>MVVM pattern</a:t>
+              <a:t>Learn MVVM pattern</a:t>
             </a:r>
             <a:endParaRPr lang="en-GB" dirty="0"/>
           </a:p>
@@ -12885,11 +12890,7 @@
           <a:p>
             <a:r>
               <a:rPr lang="pt-PT" sz="2800" dirty="0" smtClean="0"/>
-              <a:t>HTML5</a:t>
-            </a:r>
-            <a:r>
-              <a:rPr lang="pt-PT" sz="2800" dirty="0" smtClean="0"/>
-              <a:t>, CSS3, </a:t>
+              <a:t>HTML5, CSS3, </a:t>
             </a:r>
             <a:r>
               <a:rPr lang="pt-PT" sz="2800" dirty="0" err="1" smtClean="0"/>
@@ -12897,11 +12898,7 @@
             </a:r>
             <a:r>
               <a:rPr lang="pt-PT" sz="2800" dirty="0" smtClean="0"/>
-              <a:t>, </a:t>
-            </a:r>
-            <a:r>
-              <a:rPr lang="pt-PT" sz="2800" dirty="0" smtClean="0"/>
-              <a:t>Knockout, </a:t>
+              <a:t>, Knockout, </a:t>
             </a:r>
             <a:r>
               <a:rPr lang="pt-PT" sz="2800" dirty="0" err="1" smtClean="0"/>
@@ -12917,15 +12914,7 @@
             </a:r>
             <a:r>
               <a:rPr lang="pt-PT" sz="2800" dirty="0" smtClean="0"/>
-              <a:t>, ASP.NET MVC, </a:t>
-            </a:r>
-            <a:r>
-              <a:rPr lang="pt-PT" sz="2800" dirty="0" smtClean="0"/>
-              <a:t>C</a:t>
-            </a:r>
-            <a:r>
-              <a:rPr lang="pt-PT" sz="2800" dirty="0" smtClean="0"/>
-              <a:t>#, SQL Server 2014</a:t>
+              <a:t>, ASP.NET MVC, C#, SQL Server 2014</a:t>
             </a:r>
             <a:endParaRPr lang="pt-PT" sz="2800" dirty="0"/>
           </a:p>
@@ -14181,13 +14170,17 @@
         <p:spPr/>
         <p:txBody>
           <a:bodyPr>
-            <a:normAutofit fontScale="90000"/>
+            <a:normAutofit/>
           </a:bodyPr>
           <a:lstStyle/>
           <a:p>
             <a:r>
               <a:rPr lang="en-GB" dirty="0" smtClean="0"/>
-              <a:t>Functions to build modules (Continue)</a:t>
+              <a:t>Functions to build </a:t>
+            </a:r>
+            <a:r>
+              <a:rPr lang="en-GB" dirty="0" smtClean="0"/>
+              <a:t>modules</a:t>
             </a:r>
             <a:endParaRPr lang="en-GB" dirty="0"/>
           </a:p>
@@ -14211,20 +14204,33 @@
         </p:spPr>
         <p:txBody>
           <a:bodyPr>
-            <a:normAutofit lnSpcReduction="10000"/>
+            <a:normAutofit fontScale="92500"/>
           </a:bodyPr>
           <a:lstStyle/>
           <a:p>
             <a:r>
               <a:rPr lang="en-GB" dirty="0" smtClean="0"/>
-              <a:t>What’s the matter in code before?</a:t>
-            </a:r>
+              <a:t>What’s the matter </a:t>
+            </a:r>
+            <a:r>
+              <a:rPr lang="en-GB" dirty="0" smtClean="0"/>
+              <a:t>with previous code?</a:t>
+            </a:r>
+            <a:endParaRPr lang="en-GB" dirty="0" smtClean="0"/>
           </a:p>
           <a:p>
             <a:pPr lvl="1"/>
             <a:r>
               <a:rPr lang="en-GB" dirty="0" smtClean="0"/>
-              <a:t> There is two global variables</a:t>
+              <a:t> There </a:t>
+            </a:r>
+            <a:r>
+              <a:rPr lang="en-GB" dirty="0" smtClean="0"/>
+              <a:t>are two </a:t>
+            </a:r>
+            <a:r>
+              <a:rPr lang="en-GB" dirty="0" smtClean="0"/>
+              <a:t>global variables</a:t>
             </a:r>
           </a:p>
           <a:p>
@@ -14835,7 +14841,11 @@
           <a:p>
             <a:r>
               <a:rPr lang="en-GB" sz="3200" dirty="0" smtClean="0"/>
-              <a:t>Reduce for </a:t>
+              <a:t>Reduce </a:t>
+            </a:r>
+            <a:r>
+              <a:rPr lang="en-GB" sz="3200" dirty="0" smtClean="0"/>
+              <a:t>to </a:t>
             </a:r>
             <a:r>
               <a:rPr lang="en-GB" sz="3200" b="1" dirty="0" smtClean="0">
@@ -14849,7 +14859,11 @@
             </a:r>
             <a:r>
               <a:rPr lang="en-GB" sz="3200" dirty="0" smtClean="0"/>
-              <a:t> global variable</a:t>
+              <a:t> </a:t>
+            </a:r>
+            <a:r>
+              <a:rPr lang="en-GB" sz="3200" dirty="0" smtClean="0"/>
+              <a:t>global variable</a:t>
             </a:r>
             <a:endParaRPr lang="en-GB" sz="3200" dirty="0"/>
           </a:p>
@@ -15044,7 +15058,7 @@
         <p:spPr/>
         <p:txBody>
           <a:bodyPr>
-            <a:normAutofit fontScale="90000"/>
+            <a:normAutofit/>
           </a:bodyPr>
           <a:lstStyle/>
           <a:p>
@@ -15054,7 +15068,7 @@
             </a:r>
             <a:r>
               <a:rPr lang="en-GB" dirty="0" smtClean="0"/>
-              <a:t>variables – (Continue)</a:t>
+              <a:t>variables</a:t>
             </a:r>
             <a:endParaRPr lang="en-GB" dirty="0"/>
           </a:p>
@@ -15076,8 +15090,8 @@
         </p:blipFill>
         <p:spPr>
           <a:xfrm>
-            <a:off x="3080792" y="846138"/>
-            <a:ext cx="4680520" cy="5724635"/>
+            <a:off x="2432720" y="1264359"/>
+            <a:ext cx="4341541" cy="5310038"/>
           </a:xfrm>
           <a:prstGeom prst="rect">
             <a:avLst/>
@@ -15102,7 +15116,7 @@
         </p:nvSpPr>
         <p:spPr>
           <a:xfrm>
-            <a:off x="3368824" y="899592"/>
+            <a:off x="2446784" y="1279736"/>
             <a:ext cx="4320480" cy="369168"/>
           </a:xfrm>
           <a:prstGeom prst="rect">
@@ -15143,7 +15157,7 @@
         </p:nvSpPr>
         <p:spPr>
           <a:xfrm>
-            <a:off x="3368824" y="6156176"/>
+            <a:off x="2453781" y="6165304"/>
             <a:ext cx="4320480" cy="369168"/>
           </a:xfrm>
           <a:prstGeom prst="rect">
@@ -16037,7 +16051,7 @@
           <a:noFill/>
           <a:extLst>
             <a:ext uri="{909E8E84-426E-40dd-AFC4-6F175D3DCCD1}">
-              <a14:hiddenFill xmlns:a14="http://schemas.microsoft.com/office/drawing/2010/main" xmlns="">
+              <a14:hiddenFill xmlns="" xmlns:a14="http://schemas.microsoft.com/office/drawing/2010/main">
                 <a:solidFill>
                   <a:srgbClr val="FFFFFF"/>
                 </a:solidFill>
@@ -16477,14 +16491,14 @@
           <a:effectLst/>
           <a:extLst>
             <a:ext uri="{909E8E84-426E-40dd-AFC4-6F175D3DCCD1}">
-              <a14:hiddenFill xmlns:a14="http://schemas.microsoft.com/office/drawing/2010/main" xmlns="">
+              <a14:hiddenFill xmlns="" xmlns:a14="http://schemas.microsoft.com/office/drawing/2010/main">
                 <a:solidFill>
                   <a:schemeClr val="accent1"/>
                 </a:solidFill>
               </a14:hiddenFill>
             </a:ext>
             <a:ext uri="{91240B29-F687-4f45-9708-019B960494DF}">
-              <a14:hiddenLine xmlns:a14="http://schemas.microsoft.com/office/drawing/2010/main" xmlns="" w="9525">
+              <a14:hiddenLine xmlns="" xmlns:a14="http://schemas.microsoft.com/office/drawing/2010/main" w="9525">
                 <a:solidFill>
                   <a:schemeClr val="tx1"/>
                 </a:solidFill>
@@ -16494,7 +16508,7 @@
               </a14:hiddenLine>
             </a:ext>
             <a:ext uri="{AF507438-7753-43e0-B8FC-AC1667EBCBE1}">
-              <a14:hiddenEffects xmlns:a14="http://schemas.microsoft.com/office/drawing/2010/main" xmlns="">
+              <a14:hiddenEffects xmlns="" xmlns:a14="http://schemas.microsoft.com/office/drawing/2010/main">
                 <a:effectLst>
                   <a:outerShdw dist="35921" dir="2700000" algn="ctr" rotWithShape="0">
                     <a:schemeClr val="bg2"/>
@@ -16654,7 +16668,7 @@
           <a:noFill/>
           <a:extLst>
             <a:ext uri="{909E8E84-426E-40dd-AFC4-6F175D3DCCD1}">
-              <a14:hiddenFill xmlns:a14="http://schemas.microsoft.com/office/drawing/2010/main" xmlns="">
+              <a14:hiddenFill xmlns="" xmlns:a14="http://schemas.microsoft.com/office/drawing/2010/main">
                 <a:solidFill>
                   <a:srgbClr val="FFFFFF"/>
                 </a:solidFill>
@@ -16801,11 +16815,7 @@
             </a:r>
             <a:r>
               <a:rPr lang="pt-PT" sz="3200" dirty="0" smtClean="0"/>
-              <a:t> </a:t>
-            </a:r>
-            <a:r>
-              <a:rPr lang="pt-PT" sz="3200" dirty="0" smtClean="0"/>
-              <a:t>SPA</a:t>
+              <a:t> SPA</a:t>
             </a:r>
           </a:p>
           <a:p>
@@ -16887,7 +16897,11 @@
             </a:r>
             <a:r>
               <a:rPr lang="pt-PT" sz="3200" dirty="0" smtClean="0"/>
-              <a:t> for </a:t>
+              <a:t> </a:t>
+            </a:r>
+            <a:r>
+              <a:rPr lang="pt-PT" sz="3200" dirty="0" smtClean="0"/>
+              <a:t>to </a:t>
             </a:r>
             <a:r>
               <a:rPr lang="pt-PT" sz="3200" dirty="0" err="1" smtClean="0"/>
@@ -18544,7 +18558,7 @@
           <a:noFill/>
           <a:extLst>
             <a:ext uri="{909E8E84-426E-40dd-AFC4-6F175D3DCCD1}">
-              <a14:hiddenFill xmlns:a14="http://schemas.microsoft.com/office/drawing/2010/main" xmlns="">
+              <a14:hiddenFill xmlns="" xmlns:a14="http://schemas.microsoft.com/office/drawing/2010/main">
                 <a:solidFill>
                   <a:srgbClr val="FFFFFF"/>
                 </a:solidFill>
@@ -21031,7 +21045,7 @@
             </a:r>
             <a:r>
               <a:rPr lang="pt-PT" sz="4200" dirty="0" err="1" smtClean="0"/>
-              <a:t>eponsive</a:t>
+              <a:t>esponsive</a:t>
             </a:r>
             <a:endParaRPr lang="pt-PT" sz="4200" dirty="0" smtClean="0"/>
           </a:p>
@@ -21041,7 +21055,15 @@
             </a:pPr>
             <a:r>
               <a:rPr lang="en-GB" sz="3200" dirty="0"/>
-              <a:t>Web app needs to be very responsive to different screen </a:t>
+              <a:t>Web app needs to be </a:t>
+            </a:r>
+            <a:r>
+              <a:rPr lang="en-GB" sz="3200" dirty="0" smtClean="0"/>
+              <a:t>responsive </a:t>
+            </a:r>
+            <a:r>
+              <a:rPr lang="en-GB" sz="3200" dirty="0"/>
+              <a:t>to different screen </a:t>
             </a:r>
             <a:r>
               <a:rPr lang="en-GB" sz="3200" dirty="0" smtClean="0"/>

--- a/Relax, it's SPA time.pptx
+++ b/Relax, it's SPA time.pptx
@@ -10196,7 +10196,15 @@
           <a:p>
             <a:r>
               <a:rPr lang="en-GB" dirty="0" smtClean="0"/>
-              <a:t>What I need for begin?</a:t>
+              <a:t>What I need </a:t>
+            </a:r>
+            <a:r>
+              <a:rPr lang="en-GB" dirty="0" smtClean="0"/>
+              <a:t>to begin</a:t>
+            </a:r>
+            <a:r>
+              <a:rPr lang="en-GB" dirty="0" smtClean="0"/>
+              <a:t>?</a:t>
             </a:r>
             <a:endParaRPr lang="en-GB" dirty="0"/>
           </a:p>

--- a/Relax, it's SPA time.pptx
+++ b/Relax, it's SPA time.pptx
@@ -7788,7 +7788,7 @@
                                     <p:cond delay="0"/>
                                   </p:stCondLst>
                                   <p:childTnLst>
-                                    <p:animMotion origin="layout" path="M 4.10256E-6 6.54858E-17 L 0.25818 -0.00579 " pathEditMode="relative" rAng="0" ptsTypes="AA">
+                                    <p:animMotion origin="layout" path="M -3.58974E-6 2.22222E-6 L 0.45834 -0.01111 " pathEditMode="relative" rAng="0" ptsTypes="AA">
                                       <p:cBhvr>
                                         <p:cTn id="10" dur="2000" fill="hold"/>
                                         <p:tgtEl>
@@ -7799,7 +7799,7 @@
                                           <p:attrName>ppt_y</p:attrName>
                                         </p:attrNameLst>
                                       </p:cBhvr>
-                                      <p:rCtr x="14712" y="-162"/>
+                                      <p:rCtr x="22917" y="-556"/>
                                     </p:animMotion>
                                   </p:childTnLst>
                                 </p:cTn>
@@ -7828,7 +7828,7 @@
                                     <p:cond delay="0"/>
                                   </p:stCondLst>
                                   <p:childTnLst>
-                                    <p:animMotion origin="layout" path="M 0.26058 0.06967 L -0.02933 0.04074 " pathEditMode="relative" rAng="0" ptsTypes="AA">
+                                    <p:animMotion origin="layout" path="M 0.45834 0.06713 L -0.02227 0.06713 " pathEditMode="relative" rAng="0" ptsTypes="AA">
                                       <p:cBhvr>
                                         <p:cTn id="14" dur="2000" fill="hold"/>
                                         <p:tgtEl>
@@ -7839,7 +7839,7 @@
                                           <p:attrName>ppt_y</p:attrName>
                                         </p:attrNameLst>
                                       </p:cBhvr>
-                                      <p:rCtr x="-13814" y="-139"/>
+                                      <p:rCtr x="-24038" y="0"/>
                                     </p:animMotion>
                                   </p:childTnLst>
                                 </p:cTn>
@@ -7868,7 +7868,7 @@
                                     <p:cond delay="0"/>
                                   </p:stCondLst>
                                   <p:childTnLst>
-                                    <p:animMotion origin="layout" path="M -0.02916 0.04097 C -0.02916 0.07708 -0.04423 0.10671 -0.06314 0.10671 C -0.08173 0.10671 -0.09711 0.07708 -0.09711 0.04097 C -0.09711 0.00463 -0.08173 -0.02477 -0.06314 -0.02477 C -0.04423 -0.02477 -0.02916 0.00463 -0.02916 0.04097 Z " pathEditMode="relative" rAng="5400000" ptsTypes="AAAAA">
+                                    <p:animMotion origin="layout" path="M 0.02709 0.05648 C 0.02709 0.09259 0.01202 0.12222 -0.00689 0.12222 C -0.02548 0.12222 -0.04086 0.09259 -0.04086 0.05648 C -0.04086 0.02014 -0.02548 -0.00926 -0.00689 -0.00926 C 0.01202 -0.00926 0.02709 0.02014 0.02709 0.05648 Z " pathEditMode="relative" rAng="5400000" ptsTypes="AAAAA">
                                       <p:cBhvr>
                                         <p:cTn id="18" dur="2000" fill="hold"/>
                                         <p:tgtEl>
@@ -16783,9 +16783,18 @@
               <a:rPr lang="pt-PT" sz="3200" dirty="0" err="1" smtClean="0"/>
               <a:t>Motivations</a:t>
             </a:r>
-            <a:endParaRPr lang="pt-PT" sz="3200" dirty="0" smtClean="0"/>
-          </a:p>
-          <a:p>
+            <a:r>
+              <a:rPr lang="pt-PT" sz="3200" dirty="0" smtClean="0"/>
+              <a:t> </a:t>
+            </a:r>
+            <a:r>
+              <a:rPr lang="pt-PT" sz="3200" dirty="0" err="1" smtClean="0"/>
+              <a:t>vs</a:t>
+            </a:r>
+            <a:r>
+              <a:rPr lang="pt-PT" sz="3200" dirty="0" smtClean="0"/>
+              <a:t> </a:t>
+            </a:r>
             <a:r>
               <a:rPr lang="pt-PT" sz="3200" dirty="0" err="1" smtClean="0"/>
               <a:t>Considerations</a:t>
@@ -18322,121 +18331,6 @@
                                           <p:spTgt spid="4">
                                             <p:txEl>
                                               <p:pRg st="11" end="11"/>
-                                            </p:txEl>
-                                          </p:spTgt>
-                                        </p:tgtEl>
-                                        <p:attrNameLst>
-                                          <p:attrName>ppt_y</p:attrName>
-                                        </p:attrNameLst>
-                                      </p:cBhvr>
-                                      <p:tavLst>
-                                        <p:tav tm="0">
-                                          <p:val>
-                                            <p:strVal val="#ppt_y+.1"/>
-                                          </p:val>
-                                        </p:tav>
-                                        <p:tav tm="100000">
-                                          <p:val>
-                                            <p:strVal val="#ppt_y"/>
-                                          </p:val>
-                                        </p:tav>
-                                      </p:tavLst>
-                                    </p:anim>
-                                  </p:childTnLst>
-                                </p:cTn>
-                              </p:par>
-                            </p:childTnLst>
-                          </p:cTn>
-                        </p:par>
-                      </p:childTnLst>
-                    </p:cTn>
-                  </p:par>
-                  <p:par>
-                    <p:cTn id="87" fill="hold">
-                      <p:stCondLst>
-                        <p:cond delay="indefinite"/>
-                      </p:stCondLst>
-                      <p:childTnLst>
-                        <p:par>
-                          <p:cTn id="88" fill="hold">
-                            <p:stCondLst>
-                              <p:cond delay="0"/>
-                            </p:stCondLst>
-                            <p:childTnLst>
-                              <p:par>
-                                <p:cTn id="89" presetID="42" presetClass="entr" presetSubtype="0" fill="hold" grpId="0" nodeType="clickEffect">
-                                  <p:stCondLst>
-                                    <p:cond delay="0"/>
-                                  </p:stCondLst>
-                                  <p:childTnLst>
-                                    <p:set>
-                                      <p:cBhvr>
-                                        <p:cTn id="90" dur="1" fill="hold">
-                                          <p:stCondLst>
-                                            <p:cond delay="0"/>
-                                          </p:stCondLst>
-                                        </p:cTn>
-                                        <p:tgtEl>
-                                          <p:spTgt spid="4">
-                                            <p:txEl>
-                                              <p:pRg st="12" end="12"/>
-                                            </p:txEl>
-                                          </p:spTgt>
-                                        </p:tgtEl>
-                                        <p:attrNameLst>
-                                          <p:attrName>style.visibility</p:attrName>
-                                        </p:attrNameLst>
-                                      </p:cBhvr>
-                                      <p:to>
-                                        <p:strVal val="visible"/>
-                                      </p:to>
-                                    </p:set>
-                                    <p:animEffect transition="in" filter="fade">
-                                      <p:cBhvr>
-                                        <p:cTn id="91" dur="1000"/>
-                                        <p:tgtEl>
-                                          <p:spTgt spid="4">
-                                            <p:txEl>
-                                              <p:pRg st="12" end="12"/>
-                                            </p:txEl>
-                                          </p:spTgt>
-                                        </p:tgtEl>
-                                      </p:cBhvr>
-                                    </p:animEffect>
-                                    <p:anim calcmode="lin" valueType="num">
-                                      <p:cBhvr>
-                                        <p:cTn id="92" dur="1000" fill="hold"/>
-                                        <p:tgtEl>
-                                          <p:spTgt spid="4">
-                                            <p:txEl>
-                                              <p:pRg st="12" end="12"/>
-                                            </p:txEl>
-                                          </p:spTgt>
-                                        </p:tgtEl>
-                                        <p:attrNameLst>
-                                          <p:attrName>ppt_x</p:attrName>
-                                        </p:attrNameLst>
-                                      </p:cBhvr>
-                                      <p:tavLst>
-                                        <p:tav tm="0">
-                                          <p:val>
-                                            <p:strVal val="#ppt_x"/>
-                                          </p:val>
-                                        </p:tav>
-                                        <p:tav tm="100000">
-                                          <p:val>
-                                            <p:strVal val="#ppt_x"/>
-                                          </p:val>
-                                        </p:tav>
-                                      </p:tavLst>
-                                    </p:anim>
-                                    <p:anim calcmode="lin" valueType="num">
-                                      <p:cBhvr>
-                                        <p:cTn id="93" dur="1000" fill="hold"/>
-                                        <p:tgtEl>
-                                          <p:spTgt spid="4">
-                                            <p:txEl>
-                                              <p:pRg st="12" end="12"/>
                                             </p:txEl>
                                           </p:spTgt>
                                         </p:tgtEl>
